--- a/Entrega_2/00.REPORTE/IDEAS_REDACADO_WEN.pptx
+++ b/Entrega_2/00.REPORTE/IDEAS_REDACADO_WEN.pptx
@@ -8,7 +8,7 @@
     <p:notesMasterId r:id="rId8"/>
   </p:notesMasterIdLst>
   <p:sldIdLst>
-    <p:sldId id="294" r:id="rId2"/>
+    <p:sldId id="300" r:id="rId2"/>
     <p:sldId id="296" r:id="rId3"/>
     <p:sldId id="295" r:id="rId4"/>
     <p:sldId id="297" r:id="rId5"/>
@@ -278,7 +278,7 @@
         </p14:section>
         <p14:section name="Sección sin título" id="{3C6AE5C8-3EF0-4B99-A95E-6559323A7B24}">
           <p14:sldIdLst>
-            <p14:sldId id="294"/>
+            <p14:sldId id="300"/>
             <p14:sldId id="296"/>
             <p14:sldId id="295"/>
             <p14:sldId id="297"/>
@@ -1008,268 +1008,6 @@
 </file>
 
 <file path=ppt/slideLayouts/slideLayout2.xml><?xml version="1.0" encoding="utf-8"?>
-<p:sldLayout xmlns:a="http://schemas.openxmlformats.org/drawingml/2006/main" xmlns:r="http://schemas.openxmlformats.org/officeDocument/2006/relationships" xmlns:p="http://schemas.openxmlformats.org/presentationml/2006/main" matchingName="Main point">
-  <p:cSld name="MAIN_POINT">
-    <p:spTree>
-      <p:nvGrpSpPr>
-        <p:cNvPr id="1" name="Shape 45"/>
-        <p:cNvGrpSpPr/>
-        <p:nvPr/>
-      </p:nvGrpSpPr>
-      <p:grpSpPr>
-        <a:xfrm>
-          <a:off x="0" y="0"/>
-          <a:ext cx="0" cy="0"/>
-          <a:chOff x="0" y="0"/>
-          <a:chExt cx="0" cy="0"/>
-        </a:xfrm>
-      </p:grpSpPr>
-      <p:sp>
-        <p:nvSpPr>
-          <p:cNvPr id="46" name="Google Shape;46;p8"/>
-          <p:cNvSpPr txBox="1">
-            <a:spLocks noGrp="1"/>
-          </p:cNvSpPr>
-          <p:nvPr>
-            <p:ph type="title"/>
-          </p:nvPr>
-        </p:nvSpPr>
-        <p:spPr>
-          <a:xfrm>
-            <a:off x="2317950" y="1307100"/>
-            <a:ext cx="4508100" cy="2529300"/>
-          </a:xfrm>
-          <a:prstGeom prst="rect">
-            <a:avLst/>
-          </a:prstGeom>
-        </p:spPr>
-        <p:txBody>
-          <a:bodyPr spcFirstLastPara="1" wrap="square" lIns="91425" tIns="91425" rIns="91425" bIns="91425" anchor="ctr" anchorCtr="0">
-            <a:noAutofit/>
-          </a:bodyPr>
-          <a:lstStyle>
-            <a:lvl1pPr lvl="0" algn="ctr">
-              <a:lnSpc>
-                <a:spcPct val="80000"/>
-              </a:lnSpc>
-              <a:spcBef>
-                <a:spcPts val="0"/>
-              </a:spcBef>
-              <a:spcAft>
-                <a:spcPts val="0"/>
-              </a:spcAft>
-              <a:buSzPts val="6000"/>
-              <a:buNone/>
-              <a:defRPr sz="6000"/>
-            </a:lvl1pPr>
-            <a:lvl2pPr lvl="1">
-              <a:spcBef>
-                <a:spcPts val="0"/>
-              </a:spcBef>
-              <a:spcAft>
-                <a:spcPts val="0"/>
-              </a:spcAft>
-              <a:buSzPts val="4800"/>
-              <a:buNone/>
-              <a:defRPr sz="4800"/>
-            </a:lvl2pPr>
-            <a:lvl3pPr lvl="2">
-              <a:spcBef>
-                <a:spcPts val="0"/>
-              </a:spcBef>
-              <a:spcAft>
-                <a:spcPts val="0"/>
-              </a:spcAft>
-              <a:buSzPts val="4800"/>
-              <a:buNone/>
-              <a:defRPr sz="4800"/>
-            </a:lvl3pPr>
-            <a:lvl4pPr lvl="3">
-              <a:spcBef>
-                <a:spcPts val="0"/>
-              </a:spcBef>
-              <a:spcAft>
-                <a:spcPts val="0"/>
-              </a:spcAft>
-              <a:buSzPts val="4800"/>
-              <a:buNone/>
-              <a:defRPr sz="4800"/>
-            </a:lvl4pPr>
-            <a:lvl5pPr lvl="4">
-              <a:spcBef>
-                <a:spcPts val="0"/>
-              </a:spcBef>
-              <a:spcAft>
-                <a:spcPts val="0"/>
-              </a:spcAft>
-              <a:buSzPts val="4800"/>
-              <a:buNone/>
-              <a:defRPr sz="4800"/>
-            </a:lvl5pPr>
-            <a:lvl6pPr lvl="5">
-              <a:spcBef>
-                <a:spcPts val="0"/>
-              </a:spcBef>
-              <a:spcAft>
-                <a:spcPts val="0"/>
-              </a:spcAft>
-              <a:buSzPts val="4800"/>
-              <a:buNone/>
-              <a:defRPr sz="4800"/>
-            </a:lvl6pPr>
-            <a:lvl7pPr lvl="6">
-              <a:spcBef>
-                <a:spcPts val="0"/>
-              </a:spcBef>
-              <a:spcAft>
-                <a:spcPts val="0"/>
-              </a:spcAft>
-              <a:buSzPts val="4800"/>
-              <a:buNone/>
-              <a:defRPr sz="4800"/>
-            </a:lvl7pPr>
-            <a:lvl8pPr lvl="7">
-              <a:spcBef>
-                <a:spcPts val="0"/>
-              </a:spcBef>
-              <a:spcAft>
-                <a:spcPts val="0"/>
-              </a:spcAft>
-              <a:buSzPts val="4800"/>
-              <a:buNone/>
-              <a:defRPr sz="4800"/>
-            </a:lvl8pPr>
-            <a:lvl9pPr lvl="8">
-              <a:spcBef>
-                <a:spcPts val="0"/>
-              </a:spcBef>
-              <a:spcAft>
-                <a:spcPts val="0"/>
-              </a:spcAft>
-              <a:buSzPts val="4800"/>
-              <a:buNone/>
-              <a:defRPr sz="4800"/>
-            </a:lvl9pPr>
-          </a:lstStyle>
-          <a:p>
-            <a:endParaRPr/>
-          </a:p>
-        </p:txBody>
-      </p:sp>
-      <p:grpSp>
-        <p:nvGrpSpPr>
-          <p:cNvPr id="47" name="Google Shape;47;p8"/>
-          <p:cNvGrpSpPr/>
-          <p:nvPr/>
-        </p:nvGrpSpPr>
-        <p:grpSpPr>
-          <a:xfrm>
-            <a:off x="-8400" y="0"/>
-            <a:ext cx="728475" cy="5163250"/>
-            <a:chOff x="-8400" y="0"/>
-            <a:chExt cx="728475" cy="5163250"/>
-          </a:xfrm>
-        </p:grpSpPr>
-        <p:sp>
-          <p:nvSpPr>
-            <p:cNvPr id="48" name="Google Shape;48;p8"/>
-            <p:cNvSpPr/>
-            <p:nvPr/>
-          </p:nvSpPr>
-          <p:spPr>
-            <a:xfrm rot="5400000">
-              <a:off x="-1968300" y="2474950"/>
-              <a:ext cx="4648200" cy="728400"/>
-            </a:xfrm>
-            <a:prstGeom prst="rect">
-              <a:avLst/>
-            </a:prstGeom>
-            <a:solidFill>
-              <a:schemeClr val="dk2"/>
-            </a:solidFill>
-            <a:ln>
-              <a:noFill/>
-            </a:ln>
-          </p:spPr>
-          <p:txBody>
-            <a:bodyPr spcFirstLastPara="1" wrap="square" lIns="91425" tIns="91425" rIns="91425" bIns="91425" anchor="ctr" anchorCtr="0">
-              <a:noAutofit/>
-            </a:bodyPr>
-            <a:lstStyle/>
-            <a:p>
-              <a:pPr marL="0" lvl="0" indent="0" algn="ctr" rtl="0">
-                <a:spcBef>
-                  <a:spcPts val="0"/>
-                </a:spcBef>
-                <a:spcAft>
-                  <a:spcPts val="0"/>
-                </a:spcAft>
-                <a:buNone/>
-              </a:pPr>
-              <a:endParaRPr>
-                <a:latin typeface="Libre Franklin"/>
-                <a:ea typeface="Libre Franklin"/>
-                <a:cs typeface="Libre Franklin"/>
-                <a:sym typeface="Libre Franklin"/>
-              </a:endParaRPr>
-            </a:p>
-          </p:txBody>
-        </p:sp>
-        <p:sp>
-          <p:nvSpPr>
-            <p:cNvPr id="49" name="Google Shape;49;p8"/>
-            <p:cNvSpPr/>
-            <p:nvPr/>
-          </p:nvSpPr>
-          <p:spPr>
-            <a:xfrm>
-              <a:off x="-8325" y="0"/>
-              <a:ext cx="728400" cy="639300"/>
-            </a:xfrm>
-            <a:prstGeom prst="rect">
-              <a:avLst/>
-            </a:prstGeom>
-            <a:solidFill>
-              <a:schemeClr val="accent1"/>
-            </a:solidFill>
-            <a:ln>
-              <a:noFill/>
-            </a:ln>
-          </p:spPr>
-          <p:txBody>
-            <a:bodyPr spcFirstLastPara="1" wrap="square" lIns="91425" tIns="91425" rIns="91425" bIns="91425" anchor="ctr" anchorCtr="0">
-              <a:noAutofit/>
-            </a:bodyPr>
-            <a:lstStyle/>
-            <a:p>
-              <a:pPr marL="0" lvl="0" indent="0" algn="ctr" rtl="0">
-                <a:spcBef>
-                  <a:spcPts val="0"/>
-                </a:spcBef>
-                <a:spcAft>
-                  <a:spcPts val="0"/>
-                </a:spcAft>
-                <a:buNone/>
-              </a:pPr>
-              <a:endParaRPr>
-                <a:latin typeface="Libre Franklin"/>
-                <a:ea typeface="Libre Franklin"/>
-                <a:cs typeface="Libre Franklin"/>
-                <a:sym typeface="Libre Franklin"/>
-              </a:endParaRPr>
-            </a:p>
-          </p:txBody>
-        </p:sp>
-      </p:grpSp>
-    </p:spTree>
-  </p:cSld>
-  <p:clrMapOvr>
-    <a:masterClrMapping/>
-  </p:clrMapOvr>
-</p:sldLayout>
-</file>
-
-<file path=ppt/slideLayouts/slideLayout3.xml><?xml version="1.0" encoding="utf-8"?>
 <p:sldLayout xmlns:a="http://schemas.openxmlformats.org/drawingml/2006/main" xmlns:r="http://schemas.openxmlformats.org/officeDocument/2006/relationships" xmlns:p="http://schemas.openxmlformats.org/presentationml/2006/main" matchingName="Section title and description">
   <p:cSld name="SECTION_TITLE_AND_DESCRIPTION">
     <p:spTree>
@@ -1684,7 +1422,7 @@
 </p:sldLayout>
 </file>
 
-<file path=ppt/slideLayouts/slideLayout4.xml><?xml version="1.0" encoding="utf-8"?>
+<file path=ppt/slideLayouts/slideLayout3.xml><?xml version="1.0" encoding="utf-8"?>
 <p:sldLayout xmlns:a="http://schemas.openxmlformats.org/drawingml/2006/main" xmlns:r="http://schemas.openxmlformats.org/officeDocument/2006/relationships" xmlns:p="http://schemas.openxmlformats.org/presentationml/2006/main" matchingName="Caption">
   <p:cSld name="CAPTION_ONLY">
     <p:spTree>
@@ -1865,7 +1603,7 @@
 </p:sldLayout>
 </file>
 
-<file path=ppt/slideLayouts/slideLayout5.xml><?xml version="1.0" encoding="utf-8"?>
+<file path=ppt/slideLayouts/slideLayout4.xml><?xml version="1.0" encoding="utf-8"?>
 <p:sldLayout xmlns:a="http://schemas.openxmlformats.org/drawingml/2006/main" xmlns:r="http://schemas.openxmlformats.org/officeDocument/2006/relationships" xmlns:p="http://schemas.openxmlformats.org/presentationml/2006/main" matchingName="Big number">
   <p:cSld name="BIG_NUMBER">
     <p:spTree>
@@ -2282,7 +2020,7 @@
 </p:sldLayout>
 </file>
 
-<file path=ppt/slideLayouts/slideLayout6.xml><?xml version="1.0" encoding="utf-8"?>
+<file path=ppt/slideLayouts/slideLayout5.xml><?xml version="1.0" encoding="utf-8"?>
 <p:sldLayout xmlns:a="http://schemas.openxmlformats.org/drawingml/2006/main" xmlns:r="http://schemas.openxmlformats.org/officeDocument/2006/relationships" xmlns:p="http://schemas.openxmlformats.org/presentationml/2006/main" matchingName="Background 1">
   <p:cSld name="CUSTOM_9_1">
     <p:spTree>
@@ -2951,11 +2689,10 @@
   <p:clrMap bg1="lt1" tx1="dk1" bg2="dk2" tx2="lt2" accent1="accent1" accent2="accent2" accent3="accent3" accent4="accent4" accent5="accent5" accent6="accent6" hlink="hlink" folHlink="folHlink"/>
   <p:sldLayoutIdLst>
     <p:sldLayoutId id="2147483652" r:id="rId1"/>
-    <p:sldLayoutId id="2147483654" r:id="rId2"/>
-    <p:sldLayoutId id="2147483655" r:id="rId3"/>
-    <p:sldLayoutId id="2147483656" r:id="rId4"/>
-    <p:sldLayoutId id="2147483657" r:id="rId5"/>
-    <p:sldLayoutId id="2147483662" r:id="rId6"/>
+    <p:sldLayoutId id="2147483655" r:id="rId2"/>
+    <p:sldLayoutId id="2147483656" r:id="rId3"/>
+    <p:sldLayoutId id="2147483657" r:id="rId4"/>
+    <p:sldLayoutId id="2147483662" r:id="rId5"/>
   </p:sldLayoutIdLst>
   <p:hf hdr="0" ftr="0" dt="0"/>
   <p:txStyles>
@@ -3655,7 +3392,13 @@
   <p:cSld>
     <p:spTree>
       <p:nvGrpSpPr>
-        <p:cNvPr id="1" name=""/>
+        <p:cNvPr id="1" name="">
+          <a:extLst>
+            <a:ext uri="{FF2B5EF4-FFF2-40B4-BE49-F238E27FC236}">
+              <a16:creationId xmlns:a16="http://schemas.microsoft.com/office/drawing/2014/main" id="{0C7F3FB6-0B3A-0034-1847-7992A2337B70}"/>
+            </a:ext>
+          </a:extLst>
+        </p:cNvPr>
         <p:cNvGrpSpPr/>
         <p:nvPr/>
       </p:nvGrpSpPr>
@@ -3672,7 +3415,7 @@
           <p:cNvPr id="2" name="Título 1">
             <a:extLst>
               <a:ext uri="{FF2B5EF4-FFF2-40B4-BE49-F238E27FC236}">
-                <a16:creationId xmlns:a16="http://schemas.microsoft.com/office/drawing/2014/main" id="{8C0DB030-9BC2-5D4D-B7DE-F1672C407D20}"/>
+                <a16:creationId xmlns:a16="http://schemas.microsoft.com/office/drawing/2014/main" id="{292F289C-7F3A-0FA1-5ADE-478623348792}"/>
               </a:ext>
             </a:extLst>
           </p:cNvPr>
@@ -3696,15 +3439,22 @@
               <a:rPr lang="es-ES" dirty="0"/>
               <a:t> Forest</a:t>
             </a:r>
+            <a:br>
+              <a:rPr lang="es-ES" dirty="0"/>
+            </a:br>
+            <a:br>
+              <a:rPr lang="es-ES" dirty="0"/>
+            </a:br>
+            <a:endParaRPr lang="es-ES" dirty="0"/>
           </a:p>
         </p:txBody>
       </p:sp>
       <p:sp>
         <p:nvSpPr>
-          <p:cNvPr id="4" name="CuadroTexto 3">
+          <p:cNvPr id="5" name="CuadroTexto 4">
             <a:extLst>
               <a:ext uri="{FF2B5EF4-FFF2-40B4-BE49-F238E27FC236}">
-                <a16:creationId xmlns:a16="http://schemas.microsoft.com/office/drawing/2014/main" id="{C8A9760E-CDDB-195F-0F63-2F098445A54D}"/>
+                <a16:creationId xmlns:a16="http://schemas.microsoft.com/office/drawing/2014/main" id="{CA24C387-6A16-E8AF-E5B9-811810BD2EF2}"/>
               </a:ext>
             </a:extLst>
           </p:cNvPr>
@@ -3713,8 +3463,8 @@
         </p:nvSpPr>
         <p:spPr>
           <a:xfrm>
-            <a:off x="1024800" y="1306423"/>
-            <a:ext cx="7828577" cy="2462213"/>
+            <a:off x="1258229" y="1564572"/>
+            <a:ext cx="6627541" cy="2708434"/>
           </a:xfrm>
           <a:prstGeom prst="rect">
             <a:avLst/>
@@ -3727,55 +3477,161 @@
           </a:bodyPr>
           <a:lstStyle/>
           <a:p>
+            <a:pPr marL="285750" lvl="3" indent="-285750">
+              <a:buClr>
+                <a:srgbClr val="FF0000"/>
+              </a:buClr>
+              <a:buSzPct val="150000"/>
+              <a:buFont typeface="Arial" panose="020B0604020202020204" pitchFamily="34" charset="0"/>
+              <a:buChar char="×"/>
+            </a:pPr>
+            <a:r>
+              <a:rPr lang="es-ES" dirty="0"/>
+              <a:t>Data completo.                 Métricas no destacables</a:t>
+            </a:r>
+          </a:p>
+          <a:p>
+            <a:pPr marL="285750" lvl="3" indent="-285750">
+              <a:buClr>
+                <a:srgbClr val="FF0000"/>
+              </a:buClr>
+              <a:buSzPct val="150000"/>
+              <a:buFont typeface="Arial" panose="020B0604020202020204" pitchFamily="34" charset="0"/>
+              <a:buChar char="×"/>
+            </a:pPr>
+            <a:r>
+              <a:rPr lang="en-US" altLang="zh-CN" dirty="0" err="1">
+                <a:sym typeface="+mn-ea"/>
+              </a:rPr>
+              <a:t>Reducción</a:t>
+            </a:r>
+            <a:r>
+              <a:rPr lang="en-US" altLang="zh-CN" dirty="0">
+                <a:sym typeface="+mn-ea"/>
+              </a:rPr>
+              <a:t> 1: </a:t>
+            </a:r>
+            <a:r>
+              <a:rPr lang="en-US" altLang="zh-CN" dirty="0" err="1">
+                <a:sym typeface="+mn-ea"/>
+              </a:rPr>
+              <a:t>varImp</a:t>
+            </a:r>
+            <a:r>
+              <a:rPr lang="en-US" altLang="zh-CN" dirty="0">
+                <a:sym typeface="+mn-ea"/>
+              </a:rPr>
+              <a:t> + variables </a:t>
+            </a:r>
+            <a:r>
+              <a:rPr lang="en-US" altLang="zh-CN" dirty="0" err="1">
+                <a:sym typeface="+mn-ea"/>
+              </a:rPr>
+              <a:t>significativas</a:t>
+            </a:r>
+            <a:r>
+              <a:rPr lang="en-US" altLang="zh-CN" dirty="0">
+                <a:sym typeface="+mn-ea"/>
+              </a:rPr>
+              <a:t> (</a:t>
+            </a:r>
+            <a:r>
+              <a:rPr lang="en-US" altLang="zh-CN" dirty="0" err="1">
+                <a:sym typeface="+mn-ea"/>
+              </a:rPr>
+              <a:t>estadisticamente</a:t>
+            </a:r>
+            <a:r>
+              <a:rPr lang="en-US" altLang="zh-CN" dirty="0">
+                <a:sym typeface="+mn-ea"/>
+              </a:rPr>
+              <a:t>).           BAD </a:t>
+            </a:r>
+          </a:p>
+          <a:p>
             <a:pPr marL="285750" indent="-285750">
+              <a:buClr>
+                <a:srgbClr val="00B050"/>
+              </a:buClr>
+              <a:buSzPct val="150000"/>
               <a:buFont typeface="Wingdings" panose="05000000000000000000" pitchFamily="2" charset="2"/>
               <a:buChar char="ü"/>
             </a:pPr>
             <a:r>
+              <a:rPr lang="es-ES" dirty="0" err="1"/>
+              <a:t>Dataset</a:t>
+            </a:r>
+            <a:r>
               <a:rPr lang="es-ES" dirty="0"/>
-              <a:t>El primer paso fue probar con </a:t>
+              <a:t> reducido.</a:t>
+            </a:r>
+          </a:p>
+          <a:p>
+            <a:pPr marL="285750" lvl="3" indent="-285750">
+              <a:buClr>
+                <a:srgbClr val="FF0000"/>
+              </a:buClr>
+              <a:buSzPct val="150000"/>
+              <a:buFont typeface="Arial" panose="020B0604020202020204" pitchFamily="34" charset="0"/>
+              <a:buChar char="×"/>
+            </a:pPr>
+            <a:r>
+              <a:rPr lang="es-ES" dirty="0"/>
+              <a:t>FAMD                   Mucho </a:t>
             </a:r>
             <a:r>
               <a:rPr lang="es-ES" dirty="0" err="1"/>
-              <a:t>con</a:t>
-            </a:r>
+              <a:t>Overfitting</a:t>
+            </a:r>
+            <a:endParaRPr lang="es-ES" dirty="0"/>
+          </a:p>
+          <a:p>
+            <a:pPr marL="285750" lvl="3" indent="-285750">
+              <a:buClr>
+                <a:srgbClr val="FF0000"/>
+              </a:buClr>
+              <a:buSzPct val="150000"/>
+              <a:buFont typeface="Arial" panose="020B0604020202020204" pitchFamily="34" charset="0"/>
+              <a:buChar char="×"/>
+            </a:pPr>
             <a:r>
               <a:rPr lang="es-ES" dirty="0"/>
-              <a:t> el data completo. Posteriormente se creó un </a:t>
+              <a:t>Balanceo de datos                    Peores que sin balancear, más </a:t>
             </a:r>
             <a:r>
               <a:rPr lang="es-ES" dirty="0" err="1"/>
-              <a:t>dataset</a:t>
-            </a:r>
-            <a:r>
-              <a:rPr lang="es-ES" dirty="0"/>
-              <a:t> que consiste en variables relevantes según el </a:t>
-            </a:r>
-            <a:r>
-              <a:rPr lang="es-ES" dirty="0" err="1"/>
-              <a:t>varImp</a:t>
-            </a:r>
-            <a:r>
-              <a:rPr lang="es-ES" dirty="0"/>
-              <a:t> del propio método y las que salieron significativas en los test estadísticos. Peores métricas que el data reducido.</a:t>
-            </a:r>
+              <a:t>overfitting</a:t>
+            </a:r>
+            <a:endParaRPr lang="es-ES" dirty="0"/>
+          </a:p>
+          <a:p>
+            <a:endParaRPr lang="es-ES" dirty="0"/>
+          </a:p>
+          <a:p>
+            <a:r>
+              <a:rPr lang="es-ES" sz="1600" b="1" dirty="0" err="1"/>
+              <a:t>Caracteristicas</a:t>
+            </a:r>
+            <a:r>
+              <a:rPr lang="es-ES" sz="1600" b="1" dirty="0"/>
+              <a:t> del mejor: </a:t>
+            </a:r>
+          </a:p>
+          <a:p>
+            <a:endParaRPr lang="es-ES" b="1" dirty="0"/>
           </a:p>
           <a:p>
             <a:pPr marL="285750" indent="-285750">
+              <a:buClr>
+                <a:srgbClr val="00B050"/>
+              </a:buClr>
+              <a:buSzPct val="150000"/>
               <a:buFont typeface="Wingdings" panose="05000000000000000000" pitchFamily="2" charset="2"/>
               <a:buChar char="ü"/>
             </a:pPr>
             <a:r>
               <a:rPr lang="es-ES" dirty="0"/>
-              <a:t>También se llevado a cabo con el </a:t>
-            </a:r>
-            <a:r>
-              <a:rPr lang="es-ES" dirty="0" err="1"/>
-              <a:t>dataset</a:t>
-            </a:r>
-            <a:r>
-              <a:rPr lang="es-ES" dirty="0"/>
-              <a:t> (cual aplicó Melissa) tras aplicar FAMD. Mucho </a:t>
+              <a:t>No hay </a:t>
             </a:r>
             <a:r>
               <a:rPr lang="es-ES" dirty="0" err="1"/>
@@ -3783,43 +3639,19 @@
             </a:r>
             <a:r>
               <a:rPr lang="es-ES" dirty="0"/>
-              <a:t>.</a:t>
+              <a:t> y es estable.</a:t>
             </a:r>
           </a:p>
           <a:p>
             <a:pPr marL="285750" indent="-285750">
+              <a:buClr>
+                <a:srgbClr val="00B050"/>
+              </a:buClr>
+              <a:buSzPct val="150000"/>
               <a:buFont typeface="Wingdings" panose="05000000000000000000" pitchFamily="2" charset="2"/>
               <a:buChar char="ü"/>
             </a:pPr>
             <a:r>
-              <a:rPr lang="es-ES" dirty="0"/>
-              <a:t>También se ha probado solo con las variables estadísticamente significativas.</a:t>
-            </a:r>
-          </a:p>
-          <a:p>
-            <a:pPr marL="285750" indent="-285750">
-              <a:buFont typeface="Wingdings" panose="05000000000000000000" pitchFamily="2" charset="2"/>
-              <a:buChar char="ü"/>
-            </a:pPr>
-            <a:r>
-              <a:rPr lang="es-ES" dirty="0"/>
-              <a:t>Este último ha sido el mejor. No hay </a:t>
-            </a:r>
-            <a:r>
-              <a:rPr lang="es-ES" dirty="0" err="1"/>
-              <a:t>overfitting</a:t>
-            </a:r>
-            <a:r>
-              <a:rPr lang="es-ES" dirty="0"/>
-              <a:t> y es estable.</a:t>
-            </a:r>
-          </a:p>
-          <a:p>
-            <a:pPr marL="285750" indent="-285750">
-              <a:buFont typeface="Wingdings" panose="05000000000000000000" pitchFamily="2" charset="2"/>
-              <a:buChar char="ü"/>
-            </a:pPr>
-            <a:r>
               <a:rPr lang="es-ES" dirty="0" err="1"/>
               <a:t>Hiperparémetros</a:t>
             </a:r>
@@ -3846,6 +3678,10 @@
           </a:p>
           <a:p>
             <a:pPr marL="285750" indent="-285750">
+              <a:buClr>
+                <a:srgbClr val="00B050"/>
+              </a:buClr>
+              <a:buSzPct val="150000"/>
               <a:buFont typeface="Wingdings" panose="05000000000000000000" pitchFamily="2" charset="2"/>
               <a:buChar char="ü"/>
             </a:pPr>
@@ -3869,10 +3705,267 @@
             </a:pPr>
             <a:endParaRPr lang="es-ES" dirty="0"/>
           </a:p>
-          <a:p>
-            <a:r>
-              <a:rPr lang="es-ES" dirty="0"/>
-              <a:t>DECIDIR UNA SEMILLA</a:t>
+        </p:txBody>
+      </p:sp>
+      <p:sp>
+        <p:nvSpPr>
+          <p:cNvPr id="6" name="Flecha: a la derecha 5">
+            <a:extLst>
+              <a:ext uri="{FF2B5EF4-FFF2-40B4-BE49-F238E27FC236}">
+                <a16:creationId xmlns:a16="http://schemas.microsoft.com/office/drawing/2014/main" id="{960D4467-E153-86D2-A2DC-D941EB45263E}"/>
+              </a:ext>
+            </a:extLst>
+          </p:cNvPr>
+          <p:cNvSpPr/>
+          <p:nvPr/>
+        </p:nvSpPr>
+        <p:spPr>
+          <a:xfrm>
+            <a:off x="2230244" y="2280938"/>
+            <a:ext cx="735981" cy="178884"/>
+          </a:xfrm>
+          <a:prstGeom prst="rightArrow">
+            <a:avLst/>
+          </a:prstGeom>
+        </p:spPr>
+        <p:style>
+          <a:lnRef idx="2">
+            <a:schemeClr val="accent1">
+              <a:shade val="15000"/>
+            </a:schemeClr>
+          </a:lnRef>
+          <a:fillRef idx="1">
+            <a:schemeClr val="accent1"/>
+          </a:fillRef>
+          <a:effectRef idx="0">
+            <a:schemeClr val="accent1"/>
+          </a:effectRef>
+          <a:fontRef idx="minor">
+            <a:schemeClr val="lt1"/>
+          </a:fontRef>
+        </p:style>
+        <p:txBody>
+          <a:bodyPr rtlCol="0" anchor="ctr"/>
+          <a:lstStyle/>
+          <a:p>
+            <a:pPr algn="ctr"/>
+            <a:endParaRPr lang="es-ES"/>
+          </a:p>
+        </p:txBody>
+      </p:sp>
+      <p:sp>
+        <p:nvSpPr>
+          <p:cNvPr id="7" name="Flecha: a la derecha 6">
+            <a:extLst>
+              <a:ext uri="{FF2B5EF4-FFF2-40B4-BE49-F238E27FC236}">
+                <a16:creationId xmlns:a16="http://schemas.microsoft.com/office/drawing/2014/main" id="{82BA70BD-DC96-5102-F3C5-E7313A0F35AD}"/>
+              </a:ext>
+            </a:extLst>
+          </p:cNvPr>
+          <p:cNvSpPr/>
+          <p:nvPr/>
+        </p:nvSpPr>
+        <p:spPr>
+          <a:xfrm>
+            <a:off x="2869580" y="1635752"/>
+            <a:ext cx="735981" cy="178884"/>
+          </a:xfrm>
+          <a:prstGeom prst="rightArrow">
+            <a:avLst/>
+          </a:prstGeom>
+        </p:spPr>
+        <p:style>
+          <a:lnRef idx="2">
+            <a:schemeClr val="accent1">
+              <a:shade val="15000"/>
+            </a:schemeClr>
+          </a:lnRef>
+          <a:fillRef idx="1">
+            <a:schemeClr val="accent1"/>
+          </a:fillRef>
+          <a:effectRef idx="0">
+            <a:schemeClr val="accent1"/>
+          </a:effectRef>
+          <a:fontRef idx="minor">
+            <a:schemeClr val="lt1"/>
+          </a:fontRef>
+        </p:style>
+        <p:txBody>
+          <a:bodyPr rtlCol="0" anchor="ctr"/>
+          <a:lstStyle/>
+          <a:p>
+            <a:pPr algn="ctr"/>
+            <a:endParaRPr lang="es-ES"/>
+          </a:p>
+        </p:txBody>
+      </p:sp>
+      <p:sp>
+        <p:nvSpPr>
+          <p:cNvPr id="9" name="Flecha: a la derecha 8">
+            <a:extLst>
+              <a:ext uri="{FF2B5EF4-FFF2-40B4-BE49-F238E27FC236}">
+                <a16:creationId xmlns:a16="http://schemas.microsoft.com/office/drawing/2014/main" id="{6A0B7F8B-B8DC-ECFC-2CD9-483238071DB4}"/>
+              </a:ext>
+            </a:extLst>
+          </p:cNvPr>
+          <p:cNvSpPr/>
+          <p:nvPr/>
+        </p:nvSpPr>
+        <p:spPr>
+          <a:xfrm>
+            <a:off x="3237571" y="2489742"/>
+            <a:ext cx="735981" cy="164016"/>
+          </a:xfrm>
+          <a:prstGeom prst="rightArrow">
+            <a:avLst/>
+          </a:prstGeom>
+        </p:spPr>
+        <p:style>
+          <a:lnRef idx="2">
+            <a:schemeClr val="accent1">
+              <a:shade val="15000"/>
+            </a:schemeClr>
+          </a:lnRef>
+          <a:fillRef idx="1">
+            <a:schemeClr val="accent1"/>
+          </a:fillRef>
+          <a:effectRef idx="0">
+            <a:schemeClr val="accent1"/>
+          </a:effectRef>
+          <a:fontRef idx="minor">
+            <a:schemeClr val="lt1"/>
+          </a:fontRef>
+        </p:style>
+        <p:txBody>
+          <a:bodyPr rtlCol="0" anchor="ctr"/>
+          <a:lstStyle/>
+          <a:p>
+            <a:pPr algn="ctr"/>
+            <a:endParaRPr lang="es-ES"/>
+          </a:p>
+        </p:txBody>
+      </p:sp>
+      <p:sp>
+        <p:nvSpPr>
+          <p:cNvPr id="10" name="Flecha: a la derecha 9">
+            <a:extLst>
+              <a:ext uri="{FF2B5EF4-FFF2-40B4-BE49-F238E27FC236}">
+                <a16:creationId xmlns:a16="http://schemas.microsoft.com/office/drawing/2014/main" id="{4D7CC98C-6553-E590-7A7D-C87B6D4E1360}"/>
+              </a:ext>
+            </a:extLst>
+          </p:cNvPr>
+          <p:cNvSpPr/>
+          <p:nvPr/>
+        </p:nvSpPr>
+        <p:spPr>
+          <a:xfrm>
+            <a:off x="6831980" y="1873173"/>
+            <a:ext cx="431181" cy="152400"/>
+          </a:xfrm>
+          <a:prstGeom prst="rightArrow">
+            <a:avLst/>
+          </a:prstGeom>
+        </p:spPr>
+        <p:style>
+          <a:lnRef idx="2">
+            <a:schemeClr val="accent1">
+              <a:shade val="15000"/>
+            </a:schemeClr>
+          </a:lnRef>
+          <a:fillRef idx="1">
+            <a:schemeClr val="accent1"/>
+          </a:fillRef>
+          <a:effectRef idx="0">
+            <a:schemeClr val="accent1"/>
+          </a:effectRef>
+          <a:fontRef idx="minor">
+            <a:schemeClr val="lt1"/>
+          </a:fontRef>
+        </p:style>
+        <p:txBody>
+          <a:bodyPr rtlCol="0" anchor="ctr"/>
+          <a:lstStyle/>
+          <a:p>
+            <a:pPr algn="ctr"/>
+            <a:endParaRPr lang="es-ES"/>
+          </a:p>
+        </p:txBody>
+      </p:sp>
+      <p:sp>
+        <p:nvSpPr>
+          <p:cNvPr id="11" name="CuadroTexto 10">
+            <a:extLst>
+              <a:ext uri="{FF2B5EF4-FFF2-40B4-BE49-F238E27FC236}">
+                <a16:creationId xmlns:a16="http://schemas.microsoft.com/office/drawing/2014/main" id="{53BD1220-CE1A-331A-047F-390BDD4C319A}"/>
+              </a:ext>
+            </a:extLst>
+          </p:cNvPr>
+          <p:cNvSpPr txBox="1"/>
+          <p:nvPr/>
+        </p:nvSpPr>
+        <p:spPr>
+          <a:xfrm>
+            <a:off x="976639" y="4136825"/>
+            <a:ext cx="7566307" cy="738664"/>
+          </a:xfrm>
+          <a:prstGeom prst="rect">
+            <a:avLst/>
+          </a:prstGeom>
+        </p:spPr>
+        <p:style>
+          <a:lnRef idx="1">
+            <a:schemeClr val="accent2"/>
+          </a:lnRef>
+          <a:fillRef idx="2">
+            <a:schemeClr val="accent2"/>
+          </a:fillRef>
+          <a:effectRef idx="1">
+            <a:schemeClr val="accent2"/>
+          </a:effectRef>
+          <a:fontRef idx="minor">
+            <a:schemeClr val="dk1"/>
+          </a:fontRef>
+        </p:style>
+        <p:txBody>
+          <a:bodyPr wrap="square" rtlCol="0">
+            <a:spAutoFit/>
+          </a:bodyPr>
+          <a:lstStyle/>
+          <a:p>
+            <a:pPr latinLnBrk="1"/>
+            <a:r>
+              <a:rPr lang="en-US" dirty="0"/>
+              <a:t> Dataset   </a:t>
+            </a:r>
+            <a:r>
+              <a:rPr lang="en-US" dirty="0" err="1"/>
+              <a:t>Error_rate</a:t>
+            </a:r>
+            <a:r>
+              <a:rPr lang="en-US" dirty="0"/>
+              <a:t>    Accuracy    Precision    </a:t>
+            </a:r>
+            <a:r>
+              <a:rPr lang="en-US" dirty="0" err="1"/>
+              <a:t>Recall_Sensitivity</a:t>
+            </a:r>
+            <a:r>
+              <a:rPr lang="en-US" dirty="0"/>
+              <a:t>  Specificity    F1_Score</a:t>
+            </a:r>
+          </a:p>
+          <a:p>
+            <a:pPr latinLnBrk="1"/>
+            <a:r>
+              <a:rPr lang="en-US" dirty="0"/>
+              <a:t>1  Train2  0.2602041   0.7397959   0.4062049     0.5546798          0.7881596   0.4689713</a:t>
+            </a:r>
+          </a:p>
+          <a:p>
+            <a:pPr latinLnBrk="1"/>
+            <a:r>
+              <a:rPr lang="en-US" dirty="0"/>
+              <a:t>2   Test2  0.2519048   0.7480952   0.4203390     0.5701149          0.7945946   0.4839024</a:t>
             </a:r>
           </a:p>
         </p:txBody>
@@ -3880,7 +3973,7 @@
     </p:spTree>
     <p:extLst>
       <p:ext uri="{BB962C8B-B14F-4D97-AF65-F5344CB8AC3E}">
-        <p14:creationId xmlns:p14="http://schemas.microsoft.com/office/powerpoint/2010/main" val="3627796808"/>
+        <p14:creationId xmlns:p14="http://schemas.microsoft.com/office/powerpoint/2010/main" val="2044926557"/>
       </p:ext>
     </p:extLst>
   </p:cSld>
@@ -4150,7 +4243,7 @@
         <p:spPr>
           <a:xfrm>
             <a:off x="857693" y="1363131"/>
-            <a:ext cx="7896445" cy="2893100"/>
+            <a:ext cx="7896445" cy="2246769"/>
           </a:xfrm>
           <a:prstGeom prst="rect">
             <a:avLst/>
@@ -4323,10 +4416,55 @@
             <a:endParaRPr lang="en-US" dirty="0"/>
           </a:p>
           <a:p>
+            <a:endParaRPr lang="es-ES" dirty="0"/>
+          </a:p>
+        </p:txBody>
+      </p:sp>
+      <p:sp>
+        <p:nvSpPr>
+          <p:cNvPr id="3" name="CuadroTexto 2">
+            <a:extLst>
+              <a:ext uri="{FF2B5EF4-FFF2-40B4-BE49-F238E27FC236}">
+                <a16:creationId xmlns:a16="http://schemas.microsoft.com/office/drawing/2014/main" id="{E1F418CC-45B9-57D6-1A31-8F0E6480A384}"/>
+              </a:ext>
+            </a:extLst>
+          </p:cNvPr>
+          <p:cNvSpPr txBox="1"/>
+          <p:nvPr/>
+        </p:nvSpPr>
+        <p:spPr>
+          <a:xfrm>
+            <a:off x="857693" y="3731941"/>
+            <a:ext cx="7566307" cy="738664"/>
+          </a:xfrm>
+          <a:prstGeom prst="rect">
+            <a:avLst/>
+          </a:prstGeom>
+        </p:spPr>
+        <p:style>
+          <a:lnRef idx="1">
+            <a:schemeClr val="accent2"/>
+          </a:lnRef>
+          <a:fillRef idx="2">
+            <a:schemeClr val="accent2"/>
+          </a:fillRef>
+          <a:effectRef idx="1">
+            <a:schemeClr val="accent2"/>
+          </a:effectRef>
+          <a:fontRef idx="minor">
+            <a:schemeClr val="dk1"/>
+          </a:fontRef>
+        </p:style>
+        <p:txBody>
+          <a:bodyPr wrap="square" rtlCol="0">
+            <a:spAutoFit/>
+          </a:bodyPr>
+          <a:lstStyle/>
+          <a:p>
             <a:pPr latinLnBrk="1"/>
             <a:r>
               <a:rPr lang="en-US" dirty="0"/>
-              <a:t> Dataset </a:t>
+              <a:t> Dataset   </a:t>
             </a:r>
             <a:r>
               <a:rPr lang="en-US" dirty="0" err="1"/>
@@ -4334,7 +4472,7 @@
             </a:r>
             <a:r>
               <a:rPr lang="en-US" dirty="0"/>
-              <a:t>  Accuracy Precision </a:t>
+              <a:t>    Accuracy    Precision    </a:t>
             </a:r>
             <a:r>
               <a:rPr lang="en-US" dirty="0" err="1"/>
@@ -4342,25 +4480,22 @@
             </a:r>
             <a:r>
               <a:rPr lang="en-US" dirty="0"/>
-              <a:t> Specificity  F1_Score</a:t>
+              <a:t>  Specificity    F1_Score</a:t>
             </a:r>
           </a:p>
           <a:p>
             <a:pPr latinLnBrk="1"/>
             <a:r>
               <a:rPr lang="en-US" dirty="0"/>
-              <a:t>1  Train2  0.2602041 0.7397959 0.4062049          0.5546798   0.7881596 0.4689713</a:t>
+              <a:t>1  Train2  0.2602041   0.7397959   0.4062049     0.5546798          0.7881596   0.4689713</a:t>
             </a:r>
           </a:p>
           <a:p>
             <a:pPr latinLnBrk="1"/>
             <a:r>
               <a:rPr lang="en-US" dirty="0"/>
-              <a:t>2   Test2  0.2519048 0.7480952 0.4203390          0.5701149   0.7945946 0.4839024</a:t>
-            </a:r>
-          </a:p>
-          <a:p>
-            <a:endParaRPr lang="es-ES" dirty="0"/>
+              <a:t>2   Test2  0.2519048   0.7480952   0.4203390     0.5701149          0.7945946   0.4839024</a:t>
+            </a:r>
           </a:p>
         </p:txBody>
       </p:sp>
